--- a/spring11/slides11/slides9m.pptx
+++ b/spring11/slides11/slides9m.pptx
@@ -6690,22 +6690,7 @@
                 <a:uFillTx/>
                 <a:latin typeface="Comic Sans MS" pitchFamily="66" charset="0"/>
               </a:rPr>
-              <a:t>Albert R Meyer,             April</a:t>
-            </a:r>
-            <a:r>
-              <a:rPr kumimoji="0" lang="en-US" sz="1200" b="0" i="0" u="none" strike="noStrike" kern="1200" cap="none" spc="0" normalizeH="0" baseline="0" noProof="0" dirty="0" smtClean="0">
-                <a:ln>
-                  <a:noFill/>
-                </a:ln>
-                <a:solidFill>
-                  <a:schemeClr val="tx1"/>
-                </a:solidFill>
-                <a:effectLst/>
-                <a:uLnTx/>
-                <a:uFillTx/>
-                <a:latin typeface="Comic Sans MS" pitchFamily="66" charset="0"/>
-              </a:rPr>
-              <a:t> 4, 2011</a:t>
+              <a:t>Albert R Meyer,             April 4, 2011</a:t>
             </a:r>
             <a:endParaRPr kumimoji="0" lang="en-US" sz="1200" b="0" i="0" u="none" strike="noStrike" kern="1200" cap="none" spc="0" normalizeH="0" baseline="0" noProof="0" dirty="0">
               <a:ln>
@@ -25932,7 +25917,11 @@
             <a:pPr algn="ctr" eaLnBrk="1" hangingPunct="1"/>
             <a:r>
               <a:rPr lang="en-US" sz="12700" smtClean="0"/>
-              <a:t>1―3</a:t>
+              <a:t>1</a:t>
+            </a:r>
+            <a:r>
+              <a:rPr lang="en-US" sz="12700" smtClean="0"/>
+              <a:t>―4</a:t>
             </a:r>
             <a:endParaRPr lang="en-US" sz="12700" dirty="0"/>
           </a:p>
